--- a/docs/diagrams/ModuleModelComponentClassDiagram.pptx
+++ b/docs/diagrams/ModuleModelComponentClassDiagram.pptx
@@ -109,7 +109,7 @@
   </p:defaultTextStyle>
   <p:extLst>
     <p:ext uri="{EFAFB233-063F-42B5-8137-9DF3F51BA10A}">
-      <p15:sldGuideLst xmlns:p15="http://schemas.microsoft.com/office/powerpoint/2012/main" xmlns="">
+      <p15:sldGuideLst xmlns="" xmlns:p15="http://schemas.microsoft.com/office/powerpoint/2012/main">
         <p15:guide id="1" orient="horz" pos="1488">
           <p15:clr>
             <a:srgbClr val="A4A3A4"/>
@@ -3890,7 +3890,7 @@
           <p:cNvPr id="52" name="Rectangle 8">
             <a:extLst>
               <a:ext uri="{FF2B5EF4-FFF2-40B4-BE49-F238E27FC236}">
-                <a16:creationId xmlns:a16="http://schemas.microsoft.com/office/drawing/2014/main" xmlns="" id="{ABDCDBD2-131A-4B66-A2F2-43BBEE82C773}"/>
+                <a16:creationId xmlns="" xmlns:a16="http://schemas.microsoft.com/office/drawing/2014/main" id="{ABDCDBD2-131A-4B66-A2F2-43BBEE82C773}"/>
               </a:ext>
             </a:extLst>
           </p:cNvPr>
@@ -3932,12 +3932,12 @@
           <a:p>
             <a:pPr algn="ctr"/>
             <a:r>
-              <a:rPr lang="en-US" sz="1050" dirty="0" err="1" smtClean="0">
+              <a:rPr lang="en-US" sz="1050" dirty="0" smtClean="0">
                 <a:solidFill>
                   <a:srgbClr val="7030A0"/>
                 </a:solidFill>
               </a:rPr>
-              <a:t>ModuleCode</a:t>
+              <a:t>Person</a:t>
             </a:r>
             <a:endParaRPr lang="en-SG" sz="1050" dirty="0">
               <a:solidFill>
@@ -3952,7 +3952,7 @@
           <p:cNvPr id="53" name="Elbow Connector 78">
             <a:extLst>
               <a:ext uri="{FF2B5EF4-FFF2-40B4-BE49-F238E27FC236}">
-                <a16:creationId xmlns:a16="http://schemas.microsoft.com/office/drawing/2014/main" xmlns="" id="{B97967F8-618A-448B-81FD-CDFD4AF0EC64}"/>
+                <a16:creationId xmlns="" xmlns:a16="http://schemas.microsoft.com/office/drawing/2014/main" id="{B97967F8-618A-448B-81FD-CDFD4AF0EC64}"/>
               </a:ext>
             </a:extLst>
           </p:cNvPr>
@@ -4038,12 +4038,12 @@
           <a:p>
             <a:pPr algn="ctr"/>
             <a:r>
-              <a:rPr lang="en-US" sz="1050" dirty="0" smtClean="0">
+              <a:rPr lang="en-US" sz="1050" dirty="0" err="1" smtClean="0">
                 <a:solidFill>
                   <a:srgbClr val="7030A0"/>
                 </a:solidFill>
               </a:rPr>
-              <a:t>Person</a:t>
+              <a:t>ModuleCode</a:t>
             </a:r>
             <a:endParaRPr lang="en-SG" sz="1050" dirty="0">
               <a:solidFill>
@@ -4105,7 +4105,7 @@
         </p:nvSpPr>
         <p:spPr>
           <a:xfrm>
-            <a:off x="4945380" y="3602980"/>
+            <a:off x="4958081" y="2884848"/>
             <a:ext cx="170110" cy="137542"/>
           </a:xfrm>
           <a:prstGeom prst="rect">
